--- a/Java Урок 27 FX. Введення в FX.pptx
+++ b/Java Урок 27 FX. Введення в FX.pptx
@@ -137,6 +137,11 @@
       </a:defRPr>
     </a:lvl9pPr>
   </p:defaultTextStyle>
+  <p:extLst>
+    <p:ext uri="{EFAFB233-063F-42B5-8137-9DF3F51BA10A}">
+      <p15:sldGuideLst xmlns:p15="http://schemas.microsoft.com/office/powerpoint/2012/main"/>
+    </p:ext>
+  </p:extLst>
 </p:presentation>
 </file>
 
@@ -222,7 +227,7 @@
           <a:p>
             <a:fld id="{37421442-D1C0-40CF-A002-1FA372F23898}" type="datetimeFigureOut">
               <a:rPr lang="uk-UA" smtClean="0"/>
-              <a:t>09.01.2024</a:t>
+              <a:t>24.04.2024</a:t>
             </a:fld>
             <a:endParaRPr lang="uk-UA"/>
           </a:p>
@@ -723,7 +728,7 @@
           <a:p>
             <a:fld id="{437DF2CE-5EEA-403D-97C2-4F42B29D9550}" type="datetimeFigureOut">
               <a:rPr lang="uk-UA" smtClean="0"/>
-              <a:t>09.01.2024</a:t>
+              <a:t>24.04.2024</a:t>
             </a:fld>
             <a:endParaRPr lang="uk-UA"/>
           </a:p>
@@ -923,7 +928,7 @@
           <a:p>
             <a:fld id="{437DF2CE-5EEA-403D-97C2-4F42B29D9550}" type="datetimeFigureOut">
               <a:rPr lang="uk-UA" smtClean="0"/>
-              <a:t>09.01.2024</a:t>
+              <a:t>24.04.2024</a:t>
             </a:fld>
             <a:endParaRPr lang="uk-UA"/>
           </a:p>
@@ -1133,7 +1138,7 @@
           <a:p>
             <a:fld id="{437DF2CE-5EEA-403D-97C2-4F42B29D9550}" type="datetimeFigureOut">
               <a:rPr lang="uk-UA" smtClean="0"/>
-              <a:t>09.01.2024</a:t>
+              <a:t>24.04.2024</a:t>
             </a:fld>
             <a:endParaRPr lang="uk-UA"/>
           </a:p>
@@ -1333,7 +1338,7 @@
           <a:p>
             <a:fld id="{437DF2CE-5EEA-403D-97C2-4F42B29D9550}" type="datetimeFigureOut">
               <a:rPr lang="uk-UA" smtClean="0"/>
-              <a:t>09.01.2024</a:t>
+              <a:t>24.04.2024</a:t>
             </a:fld>
             <a:endParaRPr lang="uk-UA"/>
           </a:p>
@@ -1609,7 +1614,7 @@
           <a:p>
             <a:fld id="{437DF2CE-5EEA-403D-97C2-4F42B29D9550}" type="datetimeFigureOut">
               <a:rPr lang="uk-UA" smtClean="0"/>
-              <a:t>09.01.2024</a:t>
+              <a:t>24.04.2024</a:t>
             </a:fld>
             <a:endParaRPr lang="uk-UA"/>
           </a:p>
@@ -1877,7 +1882,7 @@
           <a:p>
             <a:fld id="{437DF2CE-5EEA-403D-97C2-4F42B29D9550}" type="datetimeFigureOut">
               <a:rPr lang="uk-UA" smtClean="0"/>
-              <a:t>09.01.2024</a:t>
+              <a:t>24.04.2024</a:t>
             </a:fld>
             <a:endParaRPr lang="uk-UA"/>
           </a:p>
@@ -2292,7 +2297,7 @@
           <a:p>
             <a:fld id="{437DF2CE-5EEA-403D-97C2-4F42B29D9550}" type="datetimeFigureOut">
               <a:rPr lang="uk-UA" smtClean="0"/>
-              <a:t>09.01.2024</a:t>
+              <a:t>24.04.2024</a:t>
             </a:fld>
             <a:endParaRPr lang="uk-UA"/>
           </a:p>
@@ -2434,7 +2439,7 @@
           <a:p>
             <a:fld id="{437DF2CE-5EEA-403D-97C2-4F42B29D9550}" type="datetimeFigureOut">
               <a:rPr lang="uk-UA" smtClean="0"/>
-              <a:t>09.01.2024</a:t>
+              <a:t>24.04.2024</a:t>
             </a:fld>
             <a:endParaRPr lang="uk-UA"/>
           </a:p>
@@ -2547,7 +2552,7 @@
           <a:p>
             <a:fld id="{437DF2CE-5EEA-403D-97C2-4F42B29D9550}" type="datetimeFigureOut">
               <a:rPr lang="uk-UA" smtClean="0"/>
-              <a:t>09.01.2024</a:t>
+              <a:t>24.04.2024</a:t>
             </a:fld>
             <a:endParaRPr lang="uk-UA"/>
           </a:p>
@@ -2860,7 +2865,7 @@
           <a:p>
             <a:fld id="{437DF2CE-5EEA-403D-97C2-4F42B29D9550}" type="datetimeFigureOut">
               <a:rPr lang="uk-UA" smtClean="0"/>
-              <a:t>09.01.2024</a:t>
+              <a:t>24.04.2024</a:t>
             </a:fld>
             <a:endParaRPr lang="uk-UA"/>
           </a:p>
@@ -3149,7 +3154,7 @@
           <a:p>
             <a:fld id="{437DF2CE-5EEA-403D-97C2-4F42B29D9550}" type="datetimeFigureOut">
               <a:rPr lang="uk-UA" smtClean="0"/>
-              <a:t>09.01.2024</a:t>
+              <a:t>24.04.2024</a:t>
             </a:fld>
             <a:endParaRPr lang="uk-UA"/>
           </a:p>
@@ -3392,7 +3397,7 @@
           <a:p>
             <a:fld id="{437DF2CE-5EEA-403D-97C2-4F42B29D9550}" type="datetimeFigureOut">
               <a:rPr lang="uk-UA" smtClean="0"/>
-              <a:t>09.01.2024</a:t>
+              <a:t>24.04.2024</a:t>
             </a:fld>
             <a:endParaRPr lang="uk-UA"/>
           </a:p>
@@ -30347,7 +30352,7 @@
         </p:blipFill>
         <p:spPr>
           <a:xfrm>
-            <a:off x="2188515" y="1416819"/>
+            <a:off x="2188515" y="1239538"/>
             <a:ext cx="7814969" cy="4796421"/>
           </a:xfrm>
           <a:prstGeom prst="rect">
@@ -32423,7 +32428,7 @@
         </p:spPr>
         <p:txBody>
           <a:bodyPr>
-            <a:normAutofit/>
+            <a:normAutofit lnSpcReduction="10000"/>
           </a:bodyPr>
           <a:lstStyle/>
           <a:p>
@@ -32689,6 +32694,51 @@
               </a:rPr>
               <a:t>Windows 7.</a:t>
             </a:r>
+          </a:p>
+          <a:p>
+            <a:pPr algn="l">
+              <a:buFont typeface="Arial" panose="020B0604020202020204" pitchFamily="34" charset="0"/>
+              <a:buChar char="•"/>
+            </a:pPr>
+            <a:r>
+              <a:rPr lang="en-US" sz="2400" b="0" i="0" dirty="0">
+                <a:solidFill>
+                  <a:srgbClr val="000000"/>
+                </a:solidFill>
+                <a:effectLst/>
+                <a:latin typeface="Times New Roman" panose="02020603050405020304" pitchFamily="18" charset="0"/>
+                <a:cs typeface="Times New Roman" panose="02020603050405020304" pitchFamily="18" charset="0"/>
+              </a:rPr>
+              <a:t>DirectX 12 </a:t>
+            </a:r>
+            <a:r>
+              <a:rPr lang="uk-UA" sz="2400" dirty="0">
+                <a:solidFill>
+                  <a:srgbClr val="000000"/>
+                </a:solidFill>
+                <a:latin typeface="Times New Roman" panose="02020603050405020304" pitchFamily="18" charset="0"/>
+                <a:cs typeface="Times New Roman" panose="02020603050405020304" pitchFamily="18" charset="0"/>
+              </a:rPr>
+              <a:t>у </a:t>
+            </a:r>
+            <a:r>
+              <a:rPr lang="en-US" sz="2400" dirty="0">
+                <a:solidFill>
+                  <a:srgbClr val="000000"/>
+                </a:solidFill>
+                <a:latin typeface="Times New Roman" panose="02020603050405020304" pitchFamily="18" charset="0"/>
+                <a:cs typeface="Times New Roman" panose="02020603050405020304" pitchFamily="18" charset="0"/>
+              </a:rPr>
+              <a:t>Windows 10.</a:t>
+            </a:r>
+            <a:endParaRPr lang="en-US" sz="2400" b="0" i="0" dirty="0">
+              <a:solidFill>
+                <a:srgbClr val="000000"/>
+              </a:solidFill>
+              <a:effectLst/>
+              <a:latin typeface="Times New Roman" panose="02020603050405020304" pitchFamily="18" charset="0"/>
+              <a:cs typeface="Times New Roman" panose="02020603050405020304" pitchFamily="18" charset="0"/>
+            </a:endParaRPr>
           </a:p>
           <a:p>
             <a:pPr algn="l">
